--- a/1.Hafta-OptimizasyonGiriş.pptx
+++ b/1.Hafta-OptimizasyonGiriş.pptx
@@ -285,7 +285,7 @@
             <a:pPr rtl="0"/>
             <a:fld id="{DB640EDB-8696-4821-9977-ADF2EA20DA76}" type="datetime1">
               <a:rPr lang="tr-TR" smtClean="0"/>
-              <a:t>9.10.2024</a:t>
+              <a:t>11.10.2024</a:t>
             </a:fld>
             <a:endParaRPr lang="tr-TR" dirty="0"/>
           </a:p>
@@ -455,7 +455,7 @@
             <a:pPr rtl="0"/>
             <a:fld id="{175B46EE-8D9E-4234-843E-EA54547AD9AE}" type="datetime1">
               <a:rPr lang="tr-TR" noProof="0" smtClean="0"/>
-              <a:t>9.10.2024</a:t>
+              <a:t>11.10.2024</a:t>
             </a:fld>
             <a:endParaRPr lang="tr-TR" noProof="0" dirty="0"/>
           </a:p>
@@ -3062,7 +3062,7 @@
             <a:pPr rtl="0"/>
             <a:fld id="{5FAED58F-EB5B-4A36-96E7-60A39EA93EB2}" type="datetime1">
               <a:rPr lang="tr-TR" noProof="0" smtClean="0"/>
-              <a:t>9.10.2024</a:t>
+              <a:t>11.10.2024</a:t>
             </a:fld>
             <a:endParaRPr lang="tr-TR" noProof="0" dirty="0"/>
           </a:p>
@@ -3692,7 +3692,7 @@
             <a:pPr rtl="0"/>
             <a:fld id="{B79A2361-2820-4F23-9FB2-E2B2AB16E0CA}" type="datetime1">
               <a:rPr lang="tr-TR" noProof="0" smtClean="0"/>
-              <a:t>9.10.2024</a:t>
+              <a:t>11.10.2024</a:t>
             </a:fld>
             <a:endParaRPr lang="tr-TR" noProof="0" dirty="0"/>
           </a:p>
@@ -4180,7 +4180,38 @@
                   <a:schemeClr val="bg1"/>
                 </a:solidFill>
               </a:rPr>
-              <a:t>Sezgisel Optimizasyon Algoritmaları</a:t>
+              <a:t>Sezgisel </a:t>
+            </a:r>
+            <a:r>
+              <a:rPr lang="tr-TR" sz="4800" smtClean="0">
+                <a:solidFill>
+                  <a:schemeClr val="bg1"/>
+                </a:solidFill>
+              </a:rPr>
+              <a:t>Optimizasyon </a:t>
+            </a:r>
+            <a:r>
+              <a:rPr lang="tr-TR" sz="4800" smtClean="0">
+                <a:solidFill>
+                  <a:schemeClr val="bg1"/>
+                </a:solidFill>
+              </a:rPr>
+              <a:t>Algoritmaları</a:t>
+            </a:r>
+            <a:br>
+              <a:rPr lang="tr-TR" sz="4800" smtClean="0">
+                <a:solidFill>
+                  <a:schemeClr val="bg1"/>
+                </a:solidFill>
+              </a:rPr>
+            </a:br>
+            <a:r>
+              <a:rPr lang="tr-TR" sz="4800" smtClean="0">
+                <a:solidFill>
+                  <a:schemeClr val="bg1"/>
+                </a:solidFill>
+              </a:rPr>
+              <a:t>				1.hafta</a:t>
             </a:r>
             <a:endParaRPr lang="tr-TR" sz="4800" dirty="0">
               <a:solidFill>
@@ -20572,21 +20603,21 @@
 </file>
 
 <file path=customXml/item1.xml><?xml version="1.0" encoding="utf-8"?>
+<p:properties xmlns:p="http://schemas.microsoft.com/office/2006/metadata/properties" xmlns:xsi="http://www.w3.org/2001/XMLSchema-instance" xmlns:pc="http://schemas.microsoft.com/office/infopath/2007/PartnerControls">
+  <documentManagement>
+    <Status xmlns="71af3243-3dd4-4a8d-8c0d-dd76da1f02a5">Not started</Status>
+    <MediaServiceKeyPoints xmlns="71af3243-3dd4-4a8d-8c0d-dd76da1f02a5" xsi:nil="true"/>
+  </documentManagement>
+</p:properties>
+</file>
+
+<file path=customXml/item2.xml><?xml version="1.0" encoding="utf-8"?>
 <?mso-contentType ?>
 <FormTemplates xmlns="http://schemas.microsoft.com/sharepoint/v3/contenttype/forms">
   <Display>DocumentLibraryForm</Display>
   <Edit>DocumentLibraryForm</Edit>
   <New>DocumentLibraryForm</New>
 </FormTemplates>
-</file>
-
-<file path=customXml/item2.xml><?xml version="1.0" encoding="utf-8"?>
-<p:properties xmlns:p="http://schemas.microsoft.com/office/2006/metadata/properties" xmlns:xsi="http://www.w3.org/2001/XMLSchema-instance" xmlns:pc="http://schemas.microsoft.com/office/infopath/2007/PartnerControls">
-  <documentManagement>
-    <Status xmlns="71af3243-3dd4-4a8d-8c0d-dd76da1f02a5">Not started</Status>
-    <MediaServiceKeyPoints xmlns="71af3243-3dd4-4a8d-8c0d-dd76da1f02a5" xsi:nil="true"/>
-  </documentManagement>
-</p:properties>
 </file>
 
 <file path=customXml/item3.xml><?xml version="1.0" encoding="utf-8"?>
@@ -20811,19 +20842,19 @@
 </file>
 
 <file path=customXml/itemProps1.xml><?xml version="1.0" encoding="utf-8"?>
-<ds:datastoreItem xmlns:ds="http://schemas.openxmlformats.org/officeDocument/2006/customXml" ds:itemID="{7EE8C63A-4744-4DE4-BB49-0FF0B5375C60}">
+<ds:datastoreItem xmlns:ds="http://schemas.openxmlformats.org/officeDocument/2006/customXml" ds:itemID="{950072C5-DDE0-4258-BA7A-4D4B80DFA632}">
   <ds:schemaRefs>
-    <ds:schemaRef ds:uri="http://schemas.microsoft.com/sharepoint/v3/contenttype/forms"/>
+    <ds:schemaRef ds:uri="http://schemas.microsoft.com/office/2006/metadata/properties"/>
+    <ds:schemaRef ds:uri="http://schemas.microsoft.com/office/infopath/2007/PartnerControls"/>
+    <ds:schemaRef ds:uri="71af3243-3dd4-4a8d-8c0d-dd76da1f02a5"/>
   </ds:schemaRefs>
 </ds:datastoreItem>
 </file>
 
 <file path=customXml/itemProps2.xml><?xml version="1.0" encoding="utf-8"?>
-<ds:datastoreItem xmlns:ds="http://schemas.openxmlformats.org/officeDocument/2006/customXml" ds:itemID="{950072C5-DDE0-4258-BA7A-4D4B80DFA632}">
+<ds:datastoreItem xmlns:ds="http://schemas.openxmlformats.org/officeDocument/2006/customXml" ds:itemID="{7EE8C63A-4744-4DE4-BB49-0FF0B5375C60}">
   <ds:schemaRefs>
-    <ds:schemaRef ds:uri="http://schemas.microsoft.com/office/2006/metadata/properties"/>
-    <ds:schemaRef ds:uri="http://schemas.microsoft.com/office/infopath/2007/PartnerControls"/>
-    <ds:schemaRef ds:uri="71af3243-3dd4-4a8d-8c0d-dd76da1f02a5"/>
+    <ds:schemaRef ds:uri="http://schemas.microsoft.com/sharepoint/v3/contenttype/forms"/>
   </ds:schemaRefs>
 </ds:datastoreItem>
 </file>
